--- a/Docs/ПЗТЗ/Презентация.pptx
+++ b/Docs/ПЗТЗ/Презентация.pptx
@@ -1,6 +1,6 @@
 
 <file path=ppt/presentation.xml><?xml version="1.0" encoding="utf-8"?>
-<p:presentation xmlns:a="http://schemas.openxmlformats.org/drawingml/2006/main" xmlns:r="http://schemas.openxmlformats.org/officeDocument/2006/relationships" xmlns:p="http://schemas.openxmlformats.org/presentationml/2006/main" autoCompressPictures="0">
+<p:presentation xmlns:a="http://schemas.openxmlformats.org/drawingml/2006/main" xmlns:r="http://schemas.openxmlformats.org/officeDocument/2006/relationships" xmlns:p="http://schemas.openxmlformats.org/presentationml/2006/main" showSpecialPlsOnTitleSld="0" autoCompressPictures="0">
   <p:sldMasterIdLst>
     <p:sldMasterId id="2147483648" r:id="rId1"/>
   </p:sldMasterIdLst>
@@ -209,7 +209,7 @@
           <a:p>
             <a:fld id="{6CDEBA07-E1FE-4753-AE33-74AD1A4C5DC7}" type="datetimeFigureOut">
               <a:rPr lang="ru-RU" smtClean="0"/>
-              <a:t>31.05.2023</a:t>
+              <a:t>02.06.2023</a:t>
             </a:fld>
             <a:endParaRPr lang="ru-RU"/>
           </a:p>
@@ -521,83 +521,7 @@
           <a:bodyPr/>
           <a:lstStyle/>
           <a:p>
-            <a:r>
-              <a:rPr lang="en-US" dirty="0" smtClean="0"/>
-              <a:t>Bootstrap</a:t>
-            </a:r>
-            <a:r>
-              <a:rPr lang="en-US" baseline="0" dirty="0" smtClean="0"/>
-              <a:t> – </a:t>
-            </a:r>
-            <a:r>
-              <a:rPr lang="ru-RU" baseline="0" dirty="0" smtClean="0"/>
-              <a:t>фреймворк для создания адаптивной верстки сайтов</a:t>
-            </a:r>
-            <a:endParaRPr lang="en-US" baseline="0" dirty="0" smtClean="0"/>
-          </a:p>
-          <a:p>
-            <a:r>
-              <a:rPr lang="en-US" baseline="0" dirty="0" smtClean="0"/>
-              <a:t>JQuery – </a:t>
-            </a:r>
-            <a:r>
-              <a:rPr lang="ru-RU" baseline="0" dirty="0" smtClean="0"/>
-              <a:t>библиотека </a:t>
-            </a:r>
-            <a:r>
-              <a:rPr lang="en-US" baseline="0" dirty="0" smtClean="0"/>
-              <a:t>JavaScript</a:t>
-            </a:r>
-            <a:r>
-              <a:rPr lang="ru-RU" baseline="0" dirty="0" smtClean="0"/>
-              <a:t> (если спросят – на будущее</a:t>
-            </a:r>
-            <a:r>
-              <a:rPr lang="en-US" baseline="0" dirty="0" smtClean="0"/>
-              <a:t>, </a:t>
-            </a:r>
-            <a:r>
-              <a:rPr lang="ru-RU" baseline="0" dirty="0" smtClean="0"/>
-              <a:t>для облегчения создание сортировки и фильтрации таблиц сущностей на ПА)</a:t>
-            </a:r>
-            <a:endParaRPr lang="en-US" baseline="0" dirty="0" smtClean="0"/>
-          </a:p>
-          <a:p>
-            <a:r>
-              <a:rPr lang="en-US" baseline="0" dirty="0" err="1" smtClean="0"/>
-              <a:t>AspNetCore</a:t>
-            </a:r>
-            <a:r>
-              <a:rPr lang="en-US" baseline="0" dirty="0" smtClean="0"/>
-              <a:t> – </a:t>
-            </a:r>
-            <a:r>
-              <a:rPr lang="ru-RU" baseline="0" dirty="0" smtClean="0"/>
-              <a:t>фреймворк для создания структуры сайта</a:t>
-            </a:r>
-          </a:p>
-          <a:p>
-            <a:r>
-              <a:rPr lang="en-US" baseline="0" dirty="0" smtClean="0"/>
-              <a:t>EF – </a:t>
-            </a:r>
-            <a:r>
-              <a:rPr lang="ru-RU" baseline="0" dirty="0" smtClean="0"/>
-              <a:t>технология обмена данными с базой</a:t>
-            </a:r>
-          </a:p>
-          <a:p>
-            <a:r>
-              <a:rPr lang="ru-RU" baseline="0" dirty="0" smtClean="0"/>
-              <a:t>База на </a:t>
-            </a:r>
-            <a:r>
-              <a:rPr lang="en-US" baseline="0" dirty="0" smtClean="0"/>
-              <a:t>Microsoft SQL Server</a:t>
-            </a:r>
-          </a:p>
-          <a:p>
-            <a:endParaRPr lang="ru-RU" dirty="0"/>
+            <a:endParaRPr lang="ru-RU"/>
           </a:p>
         </p:txBody>
       </p:sp>
@@ -618,7 +542,7 @@
           <a:p>
             <a:fld id="{08DA1BD1-17E0-405F-8262-30A81C37A391}" type="slidenum">
               <a:rPr lang="ru-RU" smtClean="0"/>
-              <a:t>5</a:t>
+              <a:t>1</a:t>
             </a:fld>
             <a:endParaRPr lang="ru-RU"/>
           </a:p>
@@ -627,7 +551,7 @@
     </p:spTree>
     <p:extLst>
       <p:ext uri="{BB962C8B-B14F-4D97-AF65-F5344CB8AC3E}">
-        <p14:creationId xmlns:p14="http://schemas.microsoft.com/office/powerpoint/2010/main" val="351570265"/>
+        <p14:creationId xmlns:p14="http://schemas.microsoft.com/office/powerpoint/2010/main" val="989724839"/>
       </p:ext>
     </p:extLst>
   </p:cSld>
@@ -681,61 +605,7 @@
           <a:bodyPr/>
           <a:lstStyle/>
           <a:p>
-            <a:r>
-              <a:rPr lang="ru-RU" dirty="0" smtClean="0"/>
-              <a:t>Угрозы:</a:t>
-            </a:r>
-          </a:p>
-          <a:p>
-            <a:pPr lvl="0"/>
-            <a:r>
-              <a:rPr lang="ru-RU" sz="1200" kern="1200" dirty="0" smtClean="0">
-                <a:solidFill>
-                  <a:schemeClr val="tx1"/>
-                </a:solidFill>
-                <a:effectLst/>
-                <a:latin typeface="+mn-lt"/>
-                <a:ea typeface="+mn-ea"/>
-                <a:cs typeface="+mn-cs"/>
-              </a:rPr>
-              <a:t>Несанкционированный доступ к персональным данным пользователей</a:t>
-            </a:r>
-          </a:p>
-          <a:p>
-            <a:pPr lvl="0"/>
-            <a:r>
-              <a:rPr lang="ru-RU" sz="1200" kern="1200" dirty="0" smtClean="0">
-                <a:solidFill>
-                  <a:schemeClr val="tx1"/>
-                </a:solidFill>
-                <a:effectLst/>
-                <a:latin typeface="+mn-lt"/>
-                <a:ea typeface="+mn-ea"/>
-                <a:cs typeface="+mn-cs"/>
-              </a:rPr>
-              <a:t>Угроза проведения межсайтовой подделки запроса, которая позволяет</a:t>
-            </a:r>
-            <a:r>
-              <a:rPr lang="ru-RU" sz="1200" kern="1200" baseline="0" dirty="0" smtClean="0">
-                <a:solidFill>
-                  <a:schemeClr val="tx1"/>
-                </a:solidFill>
-                <a:effectLst/>
-                <a:latin typeface="+mn-lt"/>
-                <a:ea typeface="+mn-ea"/>
-                <a:cs typeface="+mn-cs"/>
-              </a:rPr>
-              <a:t> злоумышленникам получать данные с заполненных пользователем форм</a:t>
-            </a:r>
-            <a:endParaRPr lang="ru-RU" sz="1200" kern="1200" dirty="0">
-              <a:solidFill>
-                <a:schemeClr val="tx1"/>
-              </a:solidFill>
-              <a:effectLst/>
-              <a:latin typeface="+mn-lt"/>
-              <a:ea typeface="+mn-ea"/>
-              <a:cs typeface="+mn-cs"/>
-            </a:endParaRPr>
+            <a:endParaRPr lang="ru-RU"/>
           </a:p>
         </p:txBody>
       </p:sp>
@@ -756,7 +626,7 @@
           <a:p>
             <a:fld id="{08DA1BD1-17E0-405F-8262-30A81C37A391}" type="slidenum">
               <a:rPr lang="ru-RU" smtClean="0"/>
-              <a:t>8</a:t>
+              <a:t>2</a:t>
             </a:fld>
             <a:endParaRPr lang="ru-RU"/>
           </a:p>
@@ -765,7 +635,7 @@
     </p:spTree>
     <p:extLst>
       <p:ext uri="{BB962C8B-B14F-4D97-AF65-F5344CB8AC3E}">
-        <p14:creationId xmlns:p14="http://schemas.microsoft.com/office/powerpoint/2010/main" val="2424156473"/>
+        <p14:creationId xmlns:p14="http://schemas.microsoft.com/office/powerpoint/2010/main" val="3109459528"/>
       </p:ext>
     </p:extLst>
   </p:cSld>
@@ -819,6 +689,82 @@
           <a:bodyPr/>
           <a:lstStyle/>
           <a:p>
+            <a:r>
+              <a:rPr lang="en-US" dirty="0" smtClean="0"/>
+              <a:t>Bootstrap</a:t>
+            </a:r>
+            <a:r>
+              <a:rPr lang="en-US" baseline="0" dirty="0" smtClean="0"/>
+              <a:t> – </a:t>
+            </a:r>
+            <a:r>
+              <a:rPr lang="ru-RU" baseline="0" dirty="0" smtClean="0"/>
+              <a:t>фреймворк для создания адаптивной верстки сайтов</a:t>
+            </a:r>
+            <a:endParaRPr lang="en-US" baseline="0" dirty="0" smtClean="0"/>
+          </a:p>
+          <a:p>
+            <a:r>
+              <a:rPr lang="en-US" baseline="0" dirty="0" smtClean="0"/>
+              <a:t>JQuery – </a:t>
+            </a:r>
+            <a:r>
+              <a:rPr lang="ru-RU" baseline="0" dirty="0" smtClean="0"/>
+              <a:t>библиотека </a:t>
+            </a:r>
+            <a:r>
+              <a:rPr lang="en-US" baseline="0" dirty="0" smtClean="0"/>
+              <a:t>JavaScript</a:t>
+            </a:r>
+            <a:r>
+              <a:rPr lang="ru-RU" baseline="0" dirty="0" smtClean="0"/>
+              <a:t> (если спросят – на будущее</a:t>
+            </a:r>
+            <a:r>
+              <a:rPr lang="en-US" baseline="0" dirty="0" smtClean="0"/>
+              <a:t>, </a:t>
+            </a:r>
+            <a:r>
+              <a:rPr lang="ru-RU" baseline="0" dirty="0" smtClean="0"/>
+              <a:t>для облегчения создание сортировки и фильтрации таблиц сущностей на ПА)</a:t>
+            </a:r>
+            <a:endParaRPr lang="en-US" baseline="0" dirty="0" smtClean="0"/>
+          </a:p>
+          <a:p>
+            <a:r>
+              <a:rPr lang="en-US" baseline="0" dirty="0" err="1" smtClean="0"/>
+              <a:t>AspNetCore</a:t>
+            </a:r>
+            <a:r>
+              <a:rPr lang="en-US" baseline="0" dirty="0" smtClean="0"/>
+              <a:t> – </a:t>
+            </a:r>
+            <a:r>
+              <a:rPr lang="ru-RU" baseline="0" dirty="0" smtClean="0"/>
+              <a:t>фреймворк для создания структуры сайта</a:t>
+            </a:r>
+          </a:p>
+          <a:p>
+            <a:r>
+              <a:rPr lang="en-US" baseline="0" dirty="0" smtClean="0"/>
+              <a:t>EF – </a:t>
+            </a:r>
+            <a:r>
+              <a:rPr lang="ru-RU" baseline="0" dirty="0" smtClean="0"/>
+              <a:t>технология обмена данными с базой</a:t>
+            </a:r>
+          </a:p>
+          <a:p>
+            <a:r>
+              <a:rPr lang="ru-RU" baseline="0" dirty="0" smtClean="0"/>
+              <a:t>База на </a:t>
+            </a:r>
+            <a:r>
+              <a:rPr lang="en-US" baseline="0" dirty="0" smtClean="0"/>
+              <a:t>Microsoft SQL Server</a:t>
+            </a:r>
+          </a:p>
+          <a:p>
             <a:endParaRPr lang="ru-RU" dirty="0"/>
           </a:p>
         </p:txBody>
@@ -840,7 +786,7 @@
           <a:p>
             <a:fld id="{08DA1BD1-17E0-405F-8262-30A81C37A391}" type="slidenum">
               <a:rPr lang="ru-RU" smtClean="0"/>
-              <a:t>9</a:t>
+              <a:t>5</a:t>
             </a:fld>
             <a:endParaRPr lang="ru-RU"/>
           </a:p>
@@ -849,7 +795,7 @@
     </p:spTree>
     <p:extLst>
       <p:ext uri="{BB962C8B-B14F-4D97-AF65-F5344CB8AC3E}">
-        <p14:creationId xmlns:p14="http://schemas.microsoft.com/office/powerpoint/2010/main" val="4029499444"/>
+        <p14:creationId xmlns:p14="http://schemas.microsoft.com/office/powerpoint/2010/main" val="351570265"/>
       </p:ext>
     </p:extLst>
   </p:cSld>
@@ -905,36 +851,59 @@
           <a:p>
             <a:r>
               <a:rPr lang="ru-RU" dirty="0" smtClean="0"/>
-              <a:t>Типовая</a:t>
-            </a:r>
-            <a:r>
-              <a:rPr lang="ru-RU" baseline="0" dirty="0" smtClean="0"/>
-              <a:t> форма для добавления новых сущностей в БД</a:t>
-            </a:r>
-            <a:endParaRPr lang="ru-RU" dirty="0" smtClean="0"/>
-          </a:p>
-          <a:p>
-            <a:r>
-              <a:rPr lang="en-US" dirty="0" err="1" smtClean="0"/>
-              <a:t>ValidateAntiForgeryToken</a:t>
-            </a:r>
-            <a:r>
-              <a:rPr lang="en-US" baseline="0" dirty="0" smtClean="0"/>
-              <a:t> – </a:t>
-            </a:r>
-            <a:r>
-              <a:rPr lang="ru-RU" baseline="0" dirty="0" smtClean="0"/>
-              <a:t>атрибут, который предназначен для противодействия подделки межсайтовых запросов, производя верификацию </a:t>
-            </a:r>
-            <a:r>
-              <a:rPr lang="ru-RU" baseline="0" dirty="0" err="1" smtClean="0"/>
-              <a:t>токенов</a:t>
-            </a:r>
-            <a:r>
-              <a:rPr lang="ru-RU" baseline="0" dirty="0" smtClean="0"/>
-              <a:t> при обращении к методу</a:t>
-            </a:r>
-            <a:endParaRPr lang="ru-RU" dirty="0"/>
+              <a:t>Угрозы:</a:t>
+            </a:r>
+          </a:p>
+          <a:p>
+            <a:pPr lvl="0"/>
+            <a:r>
+              <a:rPr lang="ru-RU" sz="1200" kern="1200" dirty="0" smtClean="0">
+                <a:solidFill>
+                  <a:schemeClr val="tx1"/>
+                </a:solidFill>
+                <a:effectLst/>
+                <a:latin typeface="+mn-lt"/>
+                <a:ea typeface="+mn-ea"/>
+                <a:cs typeface="+mn-cs"/>
+              </a:rPr>
+              <a:t>Несанкционированный доступ к персональным данным пользователей</a:t>
+            </a:r>
+          </a:p>
+          <a:p>
+            <a:pPr lvl="0"/>
+            <a:r>
+              <a:rPr lang="ru-RU" sz="1200" kern="1200" dirty="0" smtClean="0">
+                <a:solidFill>
+                  <a:schemeClr val="tx1"/>
+                </a:solidFill>
+                <a:effectLst/>
+                <a:latin typeface="+mn-lt"/>
+                <a:ea typeface="+mn-ea"/>
+                <a:cs typeface="+mn-cs"/>
+              </a:rPr>
+              <a:t>Угроза проведения межсайтовой подделки запроса, которая позволяет</a:t>
+            </a:r>
+            <a:r>
+              <a:rPr lang="ru-RU" sz="1200" kern="1200" baseline="0" dirty="0" smtClean="0">
+                <a:solidFill>
+                  <a:schemeClr val="tx1"/>
+                </a:solidFill>
+                <a:effectLst/>
+                <a:latin typeface="+mn-lt"/>
+                <a:ea typeface="+mn-ea"/>
+                <a:cs typeface="+mn-cs"/>
+              </a:rPr>
+              <a:t> злоумышленникам получать данные с заполненных пользователем форм</a:t>
+            </a:r>
+            <a:endParaRPr lang="ru-RU" sz="1200" kern="1200" dirty="0">
+              <a:solidFill>
+                <a:schemeClr val="tx1"/>
+              </a:solidFill>
+              <a:effectLst/>
+              <a:latin typeface="+mn-lt"/>
+              <a:ea typeface="+mn-ea"/>
+              <a:cs typeface="+mn-cs"/>
+            </a:endParaRPr>
           </a:p>
         </p:txBody>
       </p:sp>
@@ -955,7 +924,7 @@
           <a:p>
             <a:fld id="{08DA1BD1-17E0-405F-8262-30A81C37A391}" type="slidenum">
               <a:rPr lang="ru-RU" smtClean="0"/>
-              <a:t>10</a:t>
+              <a:t>8</a:t>
             </a:fld>
             <a:endParaRPr lang="ru-RU"/>
           </a:p>
@@ -964,7 +933,7 @@
     </p:spTree>
     <p:extLst>
       <p:ext uri="{BB962C8B-B14F-4D97-AF65-F5344CB8AC3E}">
-        <p14:creationId xmlns:p14="http://schemas.microsoft.com/office/powerpoint/2010/main" val="1295482888"/>
+        <p14:creationId xmlns:p14="http://schemas.microsoft.com/office/powerpoint/2010/main" val="2424156473"/>
       </p:ext>
     </p:extLst>
   </p:cSld>
@@ -1018,6 +987,205 @@
           <a:bodyPr/>
           <a:lstStyle/>
           <a:p>
+            <a:endParaRPr lang="ru-RU" dirty="0"/>
+          </a:p>
+        </p:txBody>
+      </p:sp>
+      <p:sp>
+        <p:nvSpPr>
+          <p:cNvPr id="4" name="Номер слайда 3"/>
+          <p:cNvSpPr>
+            <a:spLocks noGrp="1"/>
+          </p:cNvSpPr>
+          <p:nvPr>
+            <p:ph type="sldNum" sz="quarter" idx="10"/>
+          </p:nvPr>
+        </p:nvSpPr>
+        <p:spPr/>
+        <p:txBody>
+          <a:bodyPr/>
+          <a:lstStyle/>
+          <a:p>
+            <a:fld id="{08DA1BD1-17E0-405F-8262-30A81C37A391}" type="slidenum">
+              <a:rPr lang="ru-RU" smtClean="0"/>
+              <a:t>9</a:t>
+            </a:fld>
+            <a:endParaRPr lang="ru-RU"/>
+          </a:p>
+        </p:txBody>
+      </p:sp>
+    </p:spTree>
+    <p:extLst>
+      <p:ext uri="{BB962C8B-B14F-4D97-AF65-F5344CB8AC3E}">
+        <p14:creationId xmlns:p14="http://schemas.microsoft.com/office/powerpoint/2010/main" val="4029499444"/>
+      </p:ext>
+    </p:extLst>
+  </p:cSld>
+  <p:clrMapOvr>
+    <a:masterClrMapping/>
+  </p:clrMapOvr>
+</p:notes>
+</file>
+
+<file path=ppt/notesSlides/notesSlide6.xml><?xml version="1.0" encoding="utf-8"?>
+<p:notes xmlns:a="http://schemas.openxmlformats.org/drawingml/2006/main" xmlns:r="http://schemas.openxmlformats.org/officeDocument/2006/relationships" xmlns:p="http://schemas.openxmlformats.org/presentationml/2006/main">
+  <p:cSld>
+    <p:spTree>
+      <p:nvGrpSpPr>
+        <p:cNvPr id="1" name=""/>
+        <p:cNvGrpSpPr/>
+        <p:nvPr/>
+      </p:nvGrpSpPr>
+      <p:grpSpPr>
+        <a:xfrm>
+          <a:off x="0" y="0"/>
+          <a:ext cx="0" cy="0"/>
+          <a:chOff x="0" y="0"/>
+          <a:chExt cx="0" cy="0"/>
+        </a:xfrm>
+      </p:grpSpPr>
+      <p:sp>
+        <p:nvSpPr>
+          <p:cNvPr id="2" name="Образ слайда 1"/>
+          <p:cNvSpPr>
+            <a:spLocks noGrp="1" noRot="1" noChangeAspect="1"/>
+          </p:cNvSpPr>
+          <p:nvPr>
+            <p:ph type="sldImg"/>
+          </p:nvPr>
+        </p:nvSpPr>
+        <p:spPr/>
+      </p:sp>
+      <p:sp>
+        <p:nvSpPr>
+          <p:cNvPr id="3" name="Заметки 2"/>
+          <p:cNvSpPr>
+            <a:spLocks noGrp="1"/>
+          </p:cNvSpPr>
+          <p:nvPr>
+            <p:ph type="body" idx="1"/>
+          </p:nvPr>
+        </p:nvSpPr>
+        <p:spPr/>
+        <p:txBody>
+          <a:bodyPr/>
+          <a:lstStyle/>
+          <a:p>
+            <a:r>
+              <a:rPr lang="ru-RU" dirty="0" smtClean="0"/>
+              <a:t>Типовая</a:t>
+            </a:r>
+            <a:r>
+              <a:rPr lang="ru-RU" baseline="0" dirty="0" smtClean="0"/>
+              <a:t> форма для добавления новых сущностей в БД</a:t>
+            </a:r>
+            <a:endParaRPr lang="ru-RU" dirty="0" smtClean="0"/>
+          </a:p>
+          <a:p>
+            <a:r>
+              <a:rPr lang="en-US" dirty="0" err="1" smtClean="0"/>
+              <a:t>ValidateAntiForgeryToken</a:t>
+            </a:r>
+            <a:r>
+              <a:rPr lang="en-US" baseline="0" dirty="0" smtClean="0"/>
+              <a:t> – </a:t>
+            </a:r>
+            <a:r>
+              <a:rPr lang="ru-RU" baseline="0" dirty="0" smtClean="0"/>
+              <a:t>атрибут, который предназначен для противодействия подделки межсайтовых запросов, производя верификацию </a:t>
+            </a:r>
+            <a:r>
+              <a:rPr lang="ru-RU" baseline="0" dirty="0" err="1" smtClean="0"/>
+              <a:t>токенов</a:t>
+            </a:r>
+            <a:r>
+              <a:rPr lang="ru-RU" baseline="0" dirty="0" smtClean="0"/>
+              <a:t> при обращении к методу</a:t>
+            </a:r>
+            <a:endParaRPr lang="ru-RU" dirty="0"/>
+          </a:p>
+        </p:txBody>
+      </p:sp>
+      <p:sp>
+        <p:nvSpPr>
+          <p:cNvPr id="4" name="Номер слайда 3"/>
+          <p:cNvSpPr>
+            <a:spLocks noGrp="1"/>
+          </p:cNvSpPr>
+          <p:nvPr>
+            <p:ph type="sldNum" sz="quarter" idx="10"/>
+          </p:nvPr>
+        </p:nvSpPr>
+        <p:spPr/>
+        <p:txBody>
+          <a:bodyPr/>
+          <a:lstStyle/>
+          <a:p>
+            <a:fld id="{08DA1BD1-17E0-405F-8262-30A81C37A391}" type="slidenum">
+              <a:rPr lang="ru-RU" smtClean="0"/>
+              <a:t>10</a:t>
+            </a:fld>
+            <a:endParaRPr lang="ru-RU"/>
+          </a:p>
+        </p:txBody>
+      </p:sp>
+    </p:spTree>
+    <p:extLst>
+      <p:ext uri="{BB962C8B-B14F-4D97-AF65-F5344CB8AC3E}">
+        <p14:creationId xmlns:p14="http://schemas.microsoft.com/office/powerpoint/2010/main" val="1295482888"/>
+      </p:ext>
+    </p:extLst>
+  </p:cSld>
+  <p:clrMapOvr>
+    <a:masterClrMapping/>
+  </p:clrMapOvr>
+</p:notes>
+</file>
+
+<file path=ppt/notesSlides/notesSlide7.xml><?xml version="1.0" encoding="utf-8"?>
+<p:notes xmlns:a="http://schemas.openxmlformats.org/drawingml/2006/main" xmlns:r="http://schemas.openxmlformats.org/officeDocument/2006/relationships" xmlns:p="http://schemas.openxmlformats.org/presentationml/2006/main">
+  <p:cSld>
+    <p:spTree>
+      <p:nvGrpSpPr>
+        <p:cNvPr id="1" name=""/>
+        <p:cNvGrpSpPr/>
+        <p:nvPr/>
+      </p:nvGrpSpPr>
+      <p:grpSpPr>
+        <a:xfrm>
+          <a:off x="0" y="0"/>
+          <a:ext cx="0" cy="0"/>
+          <a:chOff x="0" y="0"/>
+          <a:chExt cx="0" cy="0"/>
+        </a:xfrm>
+      </p:grpSpPr>
+      <p:sp>
+        <p:nvSpPr>
+          <p:cNvPr id="2" name="Образ слайда 1"/>
+          <p:cNvSpPr>
+            <a:spLocks noGrp="1" noRot="1" noChangeAspect="1"/>
+          </p:cNvSpPr>
+          <p:nvPr>
+            <p:ph type="sldImg"/>
+          </p:nvPr>
+        </p:nvSpPr>
+        <p:spPr/>
+      </p:sp>
+      <p:sp>
+        <p:nvSpPr>
+          <p:cNvPr id="3" name="Заметки 2"/>
+          <p:cNvSpPr>
+            <a:spLocks noGrp="1"/>
+          </p:cNvSpPr>
+          <p:nvPr>
+            <p:ph type="body" idx="1"/>
+          </p:nvPr>
+        </p:nvSpPr>
+        <p:spPr/>
+        <p:txBody>
+          <a:bodyPr/>
+          <a:lstStyle/>
+          <a:p>
             <a:r>
               <a:rPr lang="ru-RU" dirty="0" smtClean="0"/>
               <a:t>Спросить</a:t>
@@ -1066,7 +1234,7 @@
 </p:notes>
 </file>
 
-<file path=ppt/notesSlides/notesSlide6.xml><?xml version="1.0" encoding="utf-8"?>
+<file path=ppt/notesSlides/notesSlide8.xml><?xml version="1.0" encoding="utf-8"?>
 <p:notes xmlns:a="http://schemas.openxmlformats.org/drawingml/2006/main" xmlns:r="http://schemas.openxmlformats.org/officeDocument/2006/relationships" xmlns:p="http://schemas.openxmlformats.org/presentationml/2006/main">
   <p:cSld>
     <p:spTree>
@@ -1357,9 +1525,9 @@
           <a:bodyPr/>
           <a:lstStyle/>
           <a:p>
-            <a:fld id="{48A87A34-81AB-432B-8DAE-1953F412C126}" type="datetimeFigureOut">
-              <a:rPr lang="en-US" dirty="0"/>
-              <a:t>5/31/2023</a:t>
+            <a:fld id="{3593FF37-4B63-4243-B4AC-05FF218ABABF}" type="datetime1">
+              <a:rPr lang="en-US" smtClean="0"/>
+              <a:t>6/2/2023</a:t>
             </a:fld>
             <a:endParaRPr lang="en-US" dirty="0"/>
           </a:p>
@@ -1639,9 +1807,9 @@
           <a:bodyPr/>
           <a:lstStyle/>
           <a:p>
-            <a:fld id="{48A87A34-81AB-432B-8DAE-1953F412C126}" type="datetimeFigureOut">
-              <a:rPr lang="en-US" dirty="0"/>
-              <a:t>5/31/2023</a:t>
+            <a:fld id="{DB56301B-207E-476E-A992-3E66A96059DA}" type="datetime1">
+              <a:rPr lang="en-US" smtClean="0"/>
+              <a:t>6/2/2023</a:t>
             </a:fld>
             <a:endParaRPr lang="en-US" dirty="0"/>
           </a:p>
@@ -1826,9 +1994,9 @@
           <a:bodyPr/>
           <a:lstStyle/>
           <a:p>
-            <a:fld id="{48A87A34-81AB-432B-8DAE-1953F412C126}" type="datetimeFigureOut">
-              <a:rPr lang="en-US" dirty="0"/>
-              <a:t>5/31/2023</a:t>
+            <a:fld id="{AA71BC96-E4A4-4DE3-BBC0-07F95B821E86}" type="datetime1">
+              <a:rPr lang="en-US" smtClean="0"/>
+              <a:t>6/2/2023</a:t>
             </a:fld>
             <a:endParaRPr lang="en-US" dirty="0"/>
           </a:p>
@@ -2082,9 +2250,9 @@
           <a:bodyPr/>
           <a:lstStyle/>
           <a:p>
-            <a:fld id="{48A87A34-81AB-432B-8DAE-1953F412C126}" type="datetimeFigureOut">
-              <a:rPr lang="en-US" dirty="0"/>
-              <a:t>5/31/2023</a:t>
+            <a:fld id="{ECA499CF-946F-4A3F-A9C0-668430C029AB}" type="datetime1">
+              <a:rPr lang="en-US" smtClean="0"/>
+              <a:t>6/2/2023</a:t>
             </a:fld>
             <a:endParaRPr lang="en-US" dirty="0"/>
           </a:p>
@@ -2501,9 +2669,9 @@
           <a:bodyPr/>
           <a:lstStyle/>
           <a:p>
-            <a:fld id="{48A87A34-81AB-432B-8DAE-1953F412C126}" type="datetimeFigureOut">
-              <a:rPr lang="en-US" dirty="0"/>
-              <a:t>5/31/2023</a:t>
+            <a:fld id="{0EC0441B-0226-4BCA-B346-BBC8C1D1E32A}" type="datetime1">
+              <a:rPr lang="en-US" smtClean="0"/>
+              <a:t>6/2/2023</a:t>
             </a:fld>
             <a:endParaRPr lang="en-US" dirty="0"/>
           </a:p>
@@ -3042,9 +3210,9 @@
           <a:bodyPr/>
           <a:lstStyle/>
           <a:p>
-            <a:fld id="{48A87A34-81AB-432B-8DAE-1953F412C126}" type="datetimeFigureOut">
-              <a:rPr lang="en-US" dirty="0"/>
-              <a:t>5/31/2023</a:t>
+            <a:fld id="{F60DD9C9-DEA0-41D5-AE4C-272BC02D40AF}" type="datetime1">
+              <a:rPr lang="en-US" smtClean="0"/>
+              <a:t>6/2/2023</a:t>
             </a:fld>
             <a:endParaRPr lang="en-US" dirty="0"/>
           </a:p>
@@ -3877,9 +4045,9 @@
           <a:bodyPr/>
           <a:lstStyle/>
           <a:p>
-            <a:fld id="{48A87A34-81AB-432B-8DAE-1953F412C126}" type="datetimeFigureOut">
-              <a:rPr lang="en-US" dirty="0"/>
-              <a:t>5/31/2023</a:t>
+            <a:fld id="{22090343-EC71-457A-9797-E5F7AEE9E2B6}" type="datetime1">
+              <a:rPr lang="en-US" smtClean="0"/>
+              <a:t>6/2/2023</a:t>
             </a:fld>
             <a:endParaRPr lang="en-US" dirty="0"/>
           </a:p>
@@ -4042,9 +4210,9 @@
           <a:bodyPr/>
           <a:lstStyle/>
           <a:p>
-            <a:fld id="{48A87A34-81AB-432B-8DAE-1953F412C126}" type="datetimeFigureOut">
-              <a:rPr lang="en-US" dirty="0"/>
-              <a:t>5/31/2023</a:t>
+            <a:fld id="{2C1CD0AC-9AF1-41F8-882A-3E8832098431}" type="datetime1">
+              <a:rPr lang="en-US" smtClean="0"/>
+              <a:t>6/2/2023</a:t>
             </a:fld>
             <a:endParaRPr lang="en-US" dirty="0"/>
           </a:p>
@@ -4221,9 +4389,9 @@
           <a:bodyPr/>
           <a:lstStyle/>
           <a:p>
-            <a:fld id="{48A87A34-81AB-432B-8DAE-1953F412C126}" type="datetimeFigureOut">
-              <a:rPr lang="en-US" dirty="0"/>
-              <a:t>5/31/2023</a:t>
+            <a:fld id="{27F0B221-0EBD-472C-BAC8-D1FDCA15D751}" type="datetime1">
+              <a:rPr lang="en-US" smtClean="0"/>
+              <a:t>6/2/2023</a:t>
             </a:fld>
             <a:endParaRPr lang="en-US" dirty="0"/>
           </a:p>
@@ -4386,9 +4554,9 @@
           <a:bodyPr/>
           <a:lstStyle/>
           <a:p>
-            <a:fld id="{48A87A34-81AB-432B-8DAE-1953F412C126}" type="datetimeFigureOut">
-              <a:rPr lang="en-US" dirty="0"/>
-              <a:t>5/31/2023</a:t>
+            <a:fld id="{C9DD41A4-95D4-4963-874C-4326E5F2B3DB}" type="datetime1">
+              <a:rPr lang="en-US" smtClean="0"/>
+              <a:t>6/2/2023</a:t>
             </a:fld>
             <a:endParaRPr lang="en-US" dirty="0"/>
           </a:p>
@@ -4629,9 +4797,9 @@
           <a:bodyPr/>
           <a:lstStyle/>
           <a:p>
-            <a:fld id="{48A87A34-81AB-432B-8DAE-1953F412C126}" type="datetimeFigureOut">
-              <a:rPr lang="en-US" dirty="0"/>
-              <a:t>5/31/2023</a:t>
+            <a:fld id="{19D95537-86F4-429E-A95F-EC69186C9D28}" type="datetime1">
+              <a:rPr lang="en-US" smtClean="0"/>
+              <a:t>6/2/2023</a:t>
             </a:fld>
             <a:endParaRPr lang="en-US" dirty="0"/>
           </a:p>
@@ -4861,9 +5029,9 @@
           <a:bodyPr/>
           <a:lstStyle/>
           <a:p>
-            <a:fld id="{48A87A34-81AB-432B-8DAE-1953F412C126}" type="datetimeFigureOut">
-              <a:rPr lang="en-US" dirty="0"/>
-              <a:t>5/31/2023</a:t>
+            <a:fld id="{C806BA75-9CEF-41BA-A1CF-3E7D9632BDA9}" type="datetime1">
+              <a:rPr lang="en-US" smtClean="0"/>
+              <a:t>6/2/2023</a:t>
             </a:fld>
             <a:endParaRPr lang="en-US" dirty="0"/>
           </a:p>
@@ -5229,9 +5397,9 @@
           <a:bodyPr/>
           <a:lstStyle/>
           <a:p>
-            <a:fld id="{48A87A34-81AB-432B-8DAE-1953F412C126}" type="datetimeFigureOut">
-              <a:rPr lang="en-US" dirty="0"/>
-              <a:t>5/31/2023</a:t>
+            <a:fld id="{B90690E0-934C-41E4-92E1-78CF43D3A255}" type="datetime1">
+              <a:rPr lang="en-US" smtClean="0"/>
+              <a:t>6/2/2023</a:t>
             </a:fld>
             <a:endParaRPr lang="en-US" dirty="0"/>
           </a:p>
@@ -5342,9 +5510,9 @@
           <a:bodyPr/>
           <a:lstStyle/>
           <a:p>
-            <a:fld id="{48A87A34-81AB-432B-8DAE-1953F412C126}" type="datetimeFigureOut">
-              <a:rPr lang="en-US" dirty="0"/>
-              <a:t>5/31/2023</a:t>
+            <a:fld id="{BA61E75B-04AC-419B-A0E1-29A96E4BEADE}" type="datetime1">
+              <a:rPr lang="en-US" smtClean="0"/>
+              <a:t>6/2/2023</a:t>
             </a:fld>
             <a:endParaRPr lang="en-US" dirty="0"/>
           </a:p>
@@ -5432,9 +5600,9 @@
           <a:bodyPr/>
           <a:lstStyle/>
           <a:p>
-            <a:fld id="{48A87A34-81AB-432B-8DAE-1953F412C126}" type="datetimeFigureOut">
-              <a:rPr lang="en-US" dirty="0"/>
-              <a:t>5/31/2023</a:t>
+            <a:fld id="{90E82A87-0C28-4915-9C65-1D752A682367}" type="datetime1">
+              <a:rPr lang="en-US" smtClean="0"/>
+              <a:t>6/2/2023</a:t>
             </a:fld>
             <a:endParaRPr lang="en-US" dirty="0"/>
           </a:p>
@@ -5678,9 +5846,9 @@
           <a:bodyPr/>
           <a:lstStyle/>
           <a:p>
-            <a:fld id="{48A87A34-81AB-432B-8DAE-1953F412C126}" type="datetimeFigureOut">
-              <a:rPr lang="en-US" dirty="0"/>
-              <a:t>5/31/2023</a:t>
+            <a:fld id="{48DCAFB8-83B6-4685-B15F-A318C0659CE3}" type="datetime1">
+              <a:rPr lang="en-US" smtClean="0"/>
+              <a:t>6/2/2023</a:t>
             </a:fld>
             <a:endParaRPr lang="en-US" dirty="0"/>
           </a:p>
@@ -5960,9 +6128,9 @@
           <a:bodyPr/>
           <a:lstStyle/>
           <a:p>
-            <a:fld id="{48A87A34-81AB-432B-8DAE-1953F412C126}" type="datetimeFigureOut">
-              <a:rPr lang="en-US" dirty="0"/>
-              <a:t>5/31/2023</a:t>
+            <a:fld id="{B5855704-BBB7-45E4-8A6A-343769325245}" type="datetime1">
+              <a:rPr lang="en-US" smtClean="0"/>
+              <a:t>6/2/2023</a:t>
             </a:fld>
             <a:endParaRPr lang="en-US" dirty="0"/>
           </a:p>
@@ -6168,10 +6336,9 @@
             </a:lvl1pPr>
           </a:lstStyle>
           <a:p>
-            <a:fld id="{48A87A34-81AB-432B-8DAE-1953F412C126}" type="datetimeFigureOut">
-              <a:rPr lang="en-US" dirty="0"/>
-              <a:pPr/>
-              <a:t>5/31/2023</a:t>
+            <a:fld id="{71F0DCBD-ABB9-4AED-835B-3B651F1E1933}" type="datetime1">
+              <a:rPr lang="en-US" smtClean="0"/>
+              <a:t>6/2/2023</a:t>
             </a:fld>
             <a:endParaRPr lang="en-US" dirty="0"/>
           </a:p>
@@ -6278,6 +6445,7 @@
     <p:sldLayoutId id="2147483658" r:id="rId16"/>
     <p:sldLayoutId id="2147483659" r:id="rId17"/>
   </p:sldLayoutIdLst>
+  <p:hf hdr="0" ftr="0" dt="0"/>
   <p:txStyles>
     <p:titleStyle>
       <a:lvl1pPr algn="ctr" defTabSz="914400" rtl="0" eaLnBrk="1" latinLnBrk="0" hangingPunct="1">
@@ -7114,7 +7282,7 @@
         </p:blipFill>
         <p:spPr>
           <a:xfrm>
-            <a:off x="3546775" y="1962412"/>
+            <a:off x="3546775" y="1855410"/>
             <a:ext cx="8302725" cy="4192031"/>
           </a:xfrm>
           <a:prstGeom prst="rect">
@@ -7122,6 +7290,34 @@
           </a:prstGeom>
         </p:spPr>
       </p:pic>
+      <p:sp>
+        <p:nvSpPr>
+          <p:cNvPr id="4" name="Номер слайда 3"/>
+          <p:cNvSpPr>
+            <a:spLocks noGrp="1"/>
+          </p:cNvSpPr>
+          <p:nvPr>
+            <p:ph type="sldNum" sz="quarter" idx="12"/>
+          </p:nvPr>
+        </p:nvSpPr>
+        <p:spPr>
+          <a:xfrm>
+            <a:off x="10514011" y="6311294"/>
+            <a:ext cx="753545" cy="365125"/>
+          </a:xfrm>
+        </p:spPr>
+        <p:txBody>
+          <a:bodyPr/>
+          <a:lstStyle/>
+          <a:p>
+            <a:fld id="{6D22F896-40B5-4ADD-8801-0D06FADFA095}" type="slidenum">
+              <a:rPr lang="en-US" sz="2800" smtClean="0"/>
+              <a:t>10</a:t>
+            </a:fld>
+            <a:endParaRPr lang="en-US" sz="2800" dirty="0"/>
+          </a:p>
+        </p:txBody>
+      </p:sp>
     </p:spTree>
     <p:extLst>
       <p:ext uri="{BB962C8B-B14F-4D97-AF65-F5344CB8AC3E}">
@@ -7331,6 +7527,29 @@
           </a:p>
         </p:txBody>
       </p:sp>
+      <p:sp>
+        <p:nvSpPr>
+          <p:cNvPr id="4" name="Номер слайда 3"/>
+          <p:cNvSpPr>
+            <a:spLocks noGrp="1"/>
+          </p:cNvSpPr>
+          <p:nvPr>
+            <p:ph type="sldNum" sz="quarter" idx="12"/>
+          </p:nvPr>
+        </p:nvSpPr>
+        <p:spPr/>
+        <p:txBody>
+          <a:bodyPr/>
+          <a:lstStyle/>
+          <a:p>
+            <a:fld id="{6D22F896-40B5-4ADD-8801-0D06FADFA095}" type="slidenum">
+              <a:rPr lang="en-US" sz="2800" smtClean="0"/>
+              <a:t>12</a:t>
+            </a:fld>
+            <a:endParaRPr lang="en-US" sz="2800" dirty="0"/>
+          </a:p>
+        </p:txBody>
+      </p:sp>
     </p:spTree>
     <p:extLst>
       <p:ext uri="{BB962C8B-B14F-4D97-AF65-F5344CB8AC3E}">
@@ -7539,6 +7758,29 @@
           </a:p>
         </p:txBody>
       </p:sp>
+      <p:sp>
+        <p:nvSpPr>
+          <p:cNvPr id="4" name="Номер слайда 3"/>
+          <p:cNvSpPr>
+            <a:spLocks noGrp="1"/>
+          </p:cNvSpPr>
+          <p:nvPr>
+            <p:ph type="sldNum" sz="quarter" idx="12"/>
+          </p:nvPr>
+        </p:nvSpPr>
+        <p:spPr/>
+        <p:txBody>
+          <a:bodyPr/>
+          <a:lstStyle/>
+          <a:p>
+            <a:fld id="{6D22F896-40B5-4ADD-8801-0D06FADFA095}" type="slidenum">
+              <a:rPr lang="en-US" sz="2800" smtClean="0"/>
+              <a:t>2</a:t>
+            </a:fld>
+            <a:endParaRPr lang="en-US" sz="2800" dirty="0"/>
+          </a:p>
+        </p:txBody>
+      </p:sp>
     </p:spTree>
     <p:extLst>
       <p:ext uri="{BB962C8B-B14F-4D97-AF65-F5344CB8AC3E}">
@@ -7642,6 +7884,29 @@
           </a:p>
         </p:txBody>
       </p:sp>
+      <p:sp>
+        <p:nvSpPr>
+          <p:cNvPr id="4" name="Номер слайда 3"/>
+          <p:cNvSpPr>
+            <a:spLocks noGrp="1"/>
+          </p:cNvSpPr>
+          <p:nvPr>
+            <p:ph type="sldNum" sz="quarter" idx="12"/>
+          </p:nvPr>
+        </p:nvSpPr>
+        <p:spPr/>
+        <p:txBody>
+          <a:bodyPr/>
+          <a:lstStyle/>
+          <a:p>
+            <a:fld id="{6D22F896-40B5-4ADD-8801-0D06FADFA095}" type="slidenum">
+              <a:rPr lang="en-US" sz="2800" smtClean="0"/>
+              <a:t>3</a:t>
+            </a:fld>
+            <a:endParaRPr lang="en-US" sz="2800" dirty="0"/>
+          </a:p>
+        </p:txBody>
+      </p:sp>
     </p:spTree>
     <p:extLst>
       <p:ext uri="{BB962C8B-B14F-4D97-AF65-F5344CB8AC3E}">
@@ -7758,6 +8023,29 @@
               <a:t>Сайт имеет адаптивную верстку.</a:t>
             </a:r>
             <a:endParaRPr lang="ru-RU" sz="2400" dirty="0"/>
+          </a:p>
+        </p:txBody>
+      </p:sp>
+      <p:sp>
+        <p:nvSpPr>
+          <p:cNvPr id="4" name="Номер слайда 3"/>
+          <p:cNvSpPr>
+            <a:spLocks noGrp="1"/>
+          </p:cNvSpPr>
+          <p:nvPr>
+            <p:ph type="sldNum" sz="quarter" idx="12"/>
+          </p:nvPr>
+        </p:nvSpPr>
+        <p:spPr/>
+        <p:txBody>
+          <a:bodyPr/>
+          <a:lstStyle/>
+          <a:p>
+            <a:fld id="{6D22F896-40B5-4ADD-8801-0D06FADFA095}" type="slidenum">
+              <a:rPr lang="en-US" sz="2800" smtClean="0"/>
+              <a:t>4</a:t>
+            </a:fld>
+            <a:endParaRPr lang="en-US" sz="2800" dirty="0"/>
           </a:p>
         </p:txBody>
       </p:sp>
@@ -8062,6 +8350,34 @@
           </a:prstGeom>
         </p:spPr>
       </p:pic>
+      <p:sp>
+        <p:nvSpPr>
+          <p:cNvPr id="7" name="Номер слайда 6"/>
+          <p:cNvSpPr>
+            <a:spLocks noGrp="1"/>
+          </p:cNvSpPr>
+          <p:nvPr>
+            <p:ph type="sldNum" sz="quarter" idx="12"/>
+          </p:nvPr>
+        </p:nvSpPr>
+        <p:spPr>
+          <a:xfrm>
+            <a:off x="10514011" y="6291840"/>
+            <a:ext cx="753545" cy="365125"/>
+          </a:xfrm>
+        </p:spPr>
+        <p:txBody>
+          <a:bodyPr/>
+          <a:lstStyle/>
+          <a:p>
+            <a:fld id="{6D22F896-40B5-4ADD-8801-0D06FADFA095}" type="slidenum">
+              <a:rPr lang="en-US" sz="2800" smtClean="0"/>
+              <a:t>5</a:t>
+            </a:fld>
+            <a:endParaRPr lang="en-US" sz="2800" dirty="0"/>
+          </a:p>
+        </p:txBody>
+      </p:sp>
     </p:spTree>
     <p:extLst>
       <p:ext uri="{BB962C8B-B14F-4D97-AF65-F5344CB8AC3E}">
@@ -8156,6 +8472,29 @@
           </a:xfrm>
         </p:spPr>
       </p:pic>
+      <p:sp>
+        <p:nvSpPr>
+          <p:cNvPr id="3" name="Номер слайда 2"/>
+          <p:cNvSpPr>
+            <a:spLocks noGrp="1"/>
+          </p:cNvSpPr>
+          <p:nvPr>
+            <p:ph type="sldNum" sz="quarter" idx="12"/>
+          </p:nvPr>
+        </p:nvSpPr>
+        <p:spPr/>
+        <p:txBody>
+          <a:bodyPr/>
+          <a:lstStyle/>
+          <a:p>
+            <a:fld id="{6D22F896-40B5-4ADD-8801-0D06FADFA095}" type="slidenum">
+              <a:rPr lang="en-US" sz="2800" smtClean="0"/>
+              <a:t>6</a:t>
+            </a:fld>
+            <a:endParaRPr lang="en-US" sz="2800" dirty="0"/>
+          </a:p>
+        </p:txBody>
+      </p:sp>
     </p:spTree>
     <p:extLst>
       <p:ext uri="{BB962C8B-B14F-4D97-AF65-F5344CB8AC3E}">
@@ -8254,6 +8593,29 @@
           </a:xfrm>
         </p:spPr>
       </p:pic>
+      <p:sp>
+        <p:nvSpPr>
+          <p:cNvPr id="3" name="Номер слайда 2"/>
+          <p:cNvSpPr>
+            <a:spLocks noGrp="1"/>
+          </p:cNvSpPr>
+          <p:nvPr>
+            <p:ph type="sldNum" sz="quarter" idx="12"/>
+          </p:nvPr>
+        </p:nvSpPr>
+        <p:spPr/>
+        <p:txBody>
+          <a:bodyPr/>
+          <a:lstStyle/>
+          <a:p>
+            <a:fld id="{6D22F896-40B5-4ADD-8801-0D06FADFA095}" type="slidenum">
+              <a:rPr lang="en-US" sz="2800" smtClean="0"/>
+              <a:t>7</a:t>
+            </a:fld>
+            <a:endParaRPr lang="en-US" sz="2800" dirty="0"/>
+          </a:p>
+        </p:txBody>
+      </p:sp>
     </p:spTree>
     <p:extLst>
       <p:ext uri="{BB962C8B-B14F-4D97-AF65-F5344CB8AC3E}">
@@ -8365,6 +8727,29 @@
               <a:t>Отсутствие разграничения доступа </a:t>
             </a:r>
             <a:endParaRPr lang="ru-RU" dirty="0"/>
+          </a:p>
+        </p:txBody>
+      </p:sp>
+      <p:sp>
+        <p:nvSpPr>
+          <p:cNvPr id="4" name="Номер слайда 3"/>
+          <p:cNvSpPr>
+            <a:spLocks noGrp="1"/>
+          </p:cNvSpPr>
+          <p:nvPr>
+            <p:ph type="sldNum" sz="quarter" idx="12"/>
+          </p:nvPr>
+        </p:nvSpPr>
+        <p:spPr/>
+        <p:txBody>
+          <a:bodyPr/>
+          <a:lstStyle/>
+          <a:p>
+            <a:fld id="{6D22F896-40B5-4ADD-8801-0D06FADFA095}" type="slidenum">
+              <a:rPr lang="en-US" sz="2800" smtClean="0"/>
+              <a:t>8</a:t>
+            </a:fld>
+            <a:endParaRPr lang="en-US" sz="2800" dirty="0"/>
           </a:p>
         </p:txBody>
       </p:sp>
@@ -8666,6 +9051,34 @@
           </a:prstGeom>
         </p:spPr>
       </p:pic>
+      <p:sp>
+        <p:nvSpPr>
+          <p:cNvPr id="3" name="Номер слайда 2"/>
+          <p:cNvSpPr>
+            <a:spLocks noGrp="1"/>
+          </p:cNvSpPr>
+          <p:nvPr>
+            <p:ph type="sldNum" sz="quarter" idx="12"/>
+          </p:nvPr>
+        </p:nvSpPr>
+        <p:spPr>
+          <a:xfrm>
+            <a:off x="10514011" y="6184836"/>
+            <a:ext cx="753545" cy="365125"/>
+          </a:xfrm>
+        </p:spPr>
+        <p:txBody>
+          <a:bodyPr/>
+          <a:lstStyle/>
+          <a:p>
+            <a:fld id="{6D22F896-40B5-4ADD-8801-0D06FADFA095}" type="slidenum">
+              <a:rPr lang="en-US" sz="2800" smtClean="0"/>
+              <a:t>9</a:t>
+            </a:fld>
+            <a:endParaRPr lang="en-US" sz="2800" dirty="0"/>
+          </a:p>
+        </p:txBody>
+      </p:sp>
     </p:spTree>
     <p:extLst>
       <p:ext uri="{BB962C8B-B14F-4D97-AF65-F5344CB8AC3E}">

--- a/Docs/ПЗТЗ/Презентация.pptx
+++ b/Docs/ПЗТЗ/Презентация.pptx
@@ -209,7 +209,7 @@
           <a:p>
             <a:fld id="{6CDEBA07-E1FE-4753-AE33-74AD1A4C5DC7}" type="datetimeFigureOut">
               <a:rPr lang="ru-RU" smtClean="0"/>
-              <a:t>02.06.2023</a:t>
+              <a:t>14.06.2023</a:t>
             </a:fld>
             <a:endParaRPr lang="ru-RU"/>
           </a:p>
@@ -1188,11 +1188,61 @@
           <a:p>
             <a:r>
               <a:rPr lang="ru-RU" dirty="0" smtClean="0"/>
-              <a:t>Спросить</a:t>
-            </a:r>
+              <a:t>План:</a:t>
+            </a:r>
+          </a:p>
+          <a:p>
+            <a:pPr marL="228600" indent="-228600">
+              <a:buAutoNum type="arabicParenR"/>
+            </a:pPr>
             <a:r>
               <a:rPr lang="ru-RU" baseline="0" dirty="0" smtClean="0"/>
-              <a:t> можно ли сесть на демонстрацию</a:t>
+              <a:t>Главная страница</a:t>
+            </a:r>
+          </a:p>
+          <a:p>
+            <a:pPr marL="228600" indent="-228600">
+              <a:buAutoNum type="arabicParenR"/>
+            </a:pPr>
+            <a:r>
+              <a:rPr lang="ru-RU" baseline="0" dirty="0" smtClean="0"/>
+              <a:t>Профиль игрока (себя), наглядно показать профиль </a:t>
+            </a:r>
+            <a:r>
+              <a:rPr lang="ru-RU" baseline="0" smtClean="0"/>
+              <a:t>и ранги</a:t>
+            </a:r>
+            <a:endParaRPr lang="ru-RU" baseline="0" dirty="0" smtClean="0"/>
+          </a:p>
+          <a:p>
+            <a:pPr marL="228600" indent="-228600">
+              <a:buAutoNum type="arabicParenR"/>
+            </a:pPr>
+            <a:r>
+              <a:rPr lang="ru-RU" dirty="0" smtClean="0"/>
+              <a:t>Панель администрации</a:t>
+            </a:r>
+          </a:p>
+          <a:p>
+            <a:pPr marL="228600" indent="-228600">
+              <a:buAutoNum type="arabicParenR"/>
+            </a:pPr>
+            <a:r>
+              <a:rPr lang="ru-RU" dirty="0" smtClean="0"/>
+              <a:t>Изменение статуса</a:t>
+            </a:r>
+            <a:r>
+              <a:rPr lang="ru-RU" baseline="0" dirty="0" smtClean="0"/>
+              <a:t> игры</a:t>
+            </a:r>
+          </a:p>
+          <a:p>
+            <a:pPr marL="228600" indent="-228600">
+              <a:buAutoNum type="arabicParenR"/>
+            </a:pPr>
+            <a:r>
+              <a:rPr lang="ru-RU" baseline="0" dirty="0" smtClean="0"/>
+              <a:t>Профиль игрока (нового), чтобы показать наглядно изменение опыта</a:t>
             </a:r>
             <a:endParaRPr lang="ru-RU" dirty="0"/>
           </a:p>
@@ -1527,7 +1577,7 @@
           <a:p>
             <a:fld id="{3593FF37-4B63-4243-B4AC-05FF218ABABF}" type="datetime1">
               <a:rPr lang="en-US" smtClean="0"/>
-              <a:t>6/2/2023</a:t>
+              <a:t>6/14/2023</a:t>
             </a:fld>
             <a:endParaRPr lang="en-US" dirty="0"/>
           </a:p>
@@ -1809,7 +1859,7 @@
           <a:p>
             <a:fld id="{DB56301B-207E-476E-A992-3E66A96059DA}" type="datetime1">
               <a:rPr lang="en-US" smtClean="0"/>
-              <a:t>6/2/2023</a:t>
+              <a:t>6/14/2023</a:t>
             </a:fld>
             <a:endParaRPr lang="en-US" dirty="0"/>
           </a:p>
@@ -1996,7 +2046,7 @@
           <a:p>
             <a:fld id="{AA71BC96-E4A4-4DE3-BBC0-07F95B821E86}" type="datetime1">
               <a:rPr lang="en-US" smtClean="0"/>
-              <a:t>6/2/2023</a:t>
+              <a:t>6/14/2023</a:t>
             </a:fld>
             <a:endParaRPr lang="en-US" dirty="0"/>
           </a:p>
@@ -2252,7 +2302,7 @@
           <a:p>
             <a:fld id="{ECA499CF-946F-4A3F-A9C0-668430C029AB}" type="datetime1">
               <a:rPr lang="en-US" smtClean="0"/>
-              <a:t>6/2/2023</a:t>
+              <a:t>6/14/2023</a:t>
             </a:fld>
             <a:endParaRPr lang="en-US" dirty="0"/>
           </a:p>
@@ -2671,7 +2721,7 @@
           <a:p>
             <a:fld id="{0EC0441B-0226-4BCA-B346-BBC8C1D1E32A}" type="datetime1">
               <a:rPr lang="en-US" smtClean="0"/>
-              <a:t>6/2/2023</a:t>
+              <a:t>6/14/2023</a:t>
             </a:fld>
             <a:endParaRPr lang="en-US" dirty="0"/>
           </a:p>
@@ -3212,7 +3262,7 @@
           <a:p>
             <a:fld id="{F60DD9C9-DEA0-41D5-AE4C-272BC02D40AF}" type="datetime1">
               <a:rPr lang="en-US" smtClean="0"/>
-              <a:t>6/2/2023</a:t>
+              <a:t>6/14/2023</a:t>
             </a:fld>
             <a:endParaRPr lang="en-US" dirty="0"/>
           </a:p>
@@ -4047,7 +4097,7 @@
           <a:p>
             <a:fld id="{22090343-EC71-457A-9797-E5F7AEE9E2B6}" type="datetime1">
               <a:rPr lang="en-US" smtClean="0"/>
-              <a:t>6/2/2023</a:t>
+              <a:t>6/14/2023</a:t>
             </a:fld>
             <a:endParaRPr lang="en-US" dirty="0"/>
           </a:p>
@@ -4212,7 +4262,7 @@
           <a:p>
             <a:fld id="{2C1CD0AC-9AF1-41F8-882A-3E8832098431}" type="datetime1">
               <a:rPr lang="en-US" smtClean="0"/>
-              <a:t>6/2/2023</a:t>
+              <a:t>6/14/2023</a:t>
             </a:fld>
             <a:endParaRPr lang="en-US" dirty="0"/>
           </a:p>
@@ -4391,7 +4441,7 @@
           <a:p>
             <a:fld id="{27F0B221-0EBD-472C-BAC8-D1FDCA15D751}" type="datetime1">
               <a:rPr lang="en-US" smtClean="0"/>
-              <a:t>6/2/2023</a:t>
+              <a:t>6/14/2023</a:t>
             </a:fld>
             <a:endParaRPr lang="en-US" dirty="0"/>
           </a:p>
@@ -4556,7 +4606,7 @@
           <a:p>
             <a:fld id="{C9DD41A4-95D4-4963-874C-4326E5F2B3DB}" type="datetime1">
               <a:rPr lang="en-US" smtClean="0"/>
-              <a:t>6/2/2023</a:t>
+              <a:t>6/14/2023</a:t>
             </a:fld>
             <a:endParaRPr lang="en-US" dirty="0"/>
           </a:p>
@@ -4799,7 +4849,7 @@
           <a:p>
             <a:fld id="{19D95537-86F4-429E-A95F-EC69186C9D28}" type="datetime1">
               <a:rPr lang="en-US" smtClean="0"/>
-              <a:t>6/2/2023</a:t>
+              <a:t>6/14/2023</a:t>
             </a:fld>
             <a:endParaRPr lang="en-US" dirty="0"/>
           </a:p>
@@ -5031,7 +5081,7 @@
           <a:p>
             <a:fld id="{C806BA75-9CEF-41BA-A1CF-3E7D9632BDA9}" type="datetime1">
               <a:rPr lang="en-US" smtClean="0"/>
-              <a:t>6/2/2023</a:t>
+              <a:t>6/14/2023</a:t>
             </a:fld>
             <a:endParaRPr lang="en-US" dirty="0"/>
           </a:p>
@@ -5399,7 +5449,7 @@
           <a:p>
             <a:fld id="{B90690E0-934C-41E4-92E1-78CF43D3A255}" type="datetime1">
               <a:rPr lang="en-US" smtClean="0"/>
-              <a:t>6/2/2023</a:t>
+              <a:t>6/14/2023</a:t>
             </a:fld>
             <a:endParaRPr lang="en-US" dirty="0"/>
           </a:p>
@@ -5512,7 +5562,7 @@
           <a:p>
             <a:fld id="{BA61E75B-04AC-419B-A0E1-29A96E4BEADE}" type="datetime1">
               <a:rPr lang="en-US" smtClean="0"/>
-              <a:t>6/2/2023</a:t>
+              <a:t>6/14/2023</a:t>
             </a:fld>
             <a:endParaRPr lang="en-US" dirty="0"/>
           </a:p>
@@ -5602,7 +5652,7 @@
           <a:p>
             <a:fld id="{90E82A87-0C28-4915-9C65-1D752A682367}" type="datetime1">
               <a:rPr lang="en-US" smtClean="0"/>
-              <a:t>6/2/2023</a:t>
+              <a:t>6/14/2023</a:t>
             </a:fld>
             <a:endParaRPr lang="en-US" dirty="0"/>
           </a:p>
@@ -5848,7 +5898,7 @@
           <a:p>
             <a:fld id="{48DCAFB8-83B6-4685-B15F-A318C0659CE3}" type="datetime1">
               <a:rPr lang="en-US" smtClean="0"/>
-              <a:t>6/2/2023</a:t>
+              <a:t>6/14/2023</a:t>
             </a:fld>
             <a:endParaRPr lang="en-US" dirty="0"/>
           </a:p>
@@ -6130,7 +6180,7 @@
           <a:p>
             <a:fld id="{B5855704-BBB7-45E4-8A6A-343769325245}" type="datetime1">
               <a:rPr lang="en-US" smtClean="0"/>
-              <a:t>6/2/2023</a:t>
+              <a:t>6/14/2023</a:t>
             </a:fld>
             <a:endParaRPr lang="en-US" dirty="0"/>
           </a:p>
@@ -6338,7 +6388,7 @@
           <a:p>
             <a:fld id="{71F0DCBD-ABB9-4AED-835B-3B651F1E1933}" type="datetime1">
               <a:rPr lang="en-US" smtClean="0"/>
-              <a:t>6/2/2023</a:t>
+              <a:t>6/14/2023</a:t>
             </a:fld>
             <a:endParaRPr lang="en-US" dirty="0"/>
           </a:p>
@@ -7851,7 +7901,12 @@
             <p:ph idx="1"/>
           </p:nvPr>
         </p:nvSpPr>
-        <p:spPr/>
+        <p:spPr>
+          <a:xfrm>
+            <a:off x="281498" y="2062030"/>
+            <a:ext cx="10353762" cy="3695136"/>
+          </a:xfrm>
+        </p:spPr>
         <p:txBody>
           <a:bodyPr>
             <a:normAutofit/>
@@ -7894,7 +7949,12 @@
             <p:ph type="sldNum" sz="quarter" idx="12"/>
           </p:nvPr>
         </p:nvSpPr>
-        <p:spPr/>
+        <p:spPr>
+          <a:xfrm>
+            <a:off x="11267556" y="6233984"/>
+            <a:ext cx="753545" cy="365125"/>
+          </a:xfrm>
+        </p:spPr>
         <p:txBody>
           <a:bodyPr/>
           <a:lstStyle/>
@@ -7907,6 +7967,30 @@
           </a:p>
         </p:txBody>
       </p:sp>
+      <p:pic>
+        <p:nvPicPr>
+          <p:cNvPr id="5" name="Рисунок 4"/>
+          <p:cNvPicPr>
+            <a:picLocks noChangeAspect="1"/>
+          </p:cNvPicPr>
+          <p:nvPr/>
+        </p:nvPicPr>
+        <p:blipFill>
+          <a:blip r:embed="rId2"/>
+          <a:stretch>
+            <a:fillRect/>
+          </a:stretch>
+        </p:blipFill>
+        <p:spPr>
+          <a:xfrm>
+            <a:off x="10479616" y="362035"/>
+            <a:ext cx="901745" cy="6237074"/>
+          </a:xfrm>
+          <a:prstGeom prst="rect">
+            <a:avLst/>
+          </a:prstGeom>
+        </p:spPr>
+      </p:pic>
     </p:spTree>
     <p:extLst>
       <p:ext uri="{BB962C8B-B14F-4D97-AF65-F5344CB8AC3E}">
